--- a/powerpoint/02_程式語言介紹.pptx
+++ b/powerpoint/02_程式語言介紹.pptx
@@ -5,7 +5,7 @@
     <p:sldMasterId id="2147483660" r:id="rId1"/>
   </p:sldMasterIdLst>
   <p:notesMasterIdLst>
-    <p:notesMasterId r:id="rId8"/>
+    <p:notesMasterId r:id="rId9"/>
   </p:notesMasterIdLst>
   <p:sldIdLst>
     <p:sldId id="261" r:id="rId2"/>
@@ -14,6 +14,7 @@
     <p:sldId id="263" r:id="rId5"/>
     <p:sldId id="264" r:id="rId6"/>
     <p:sldId id="265" r:id="rId7"/>
+    <p:sldId id="267" r:id="rId8"/>
   </p:sldIdLst>
   <p:sldSz cx="12192000" cy="6858000"/>
   <p:notesSz cx="6858000" cy="9144000"/>
@@ -217,7 +218,7 @@
           <a:p>
             <a:fld id="{FF294DDF-BAE6-4F99-A8CC-1D49EAABBEEB}" type="datetimeFigureOut">
               <a:rPr lang="zh-TW" altLang="en-US" smtClean="0"/>
-              <a:t>2024/6/30</a:t>
+              <a:t>2024/7/1</a:t>
             </a:fld>
             <a:endParaRPr lang="zh-TW" altLang="en-US"/>
           </a:p>
@@ -920,6 +921,95 @@
     <p:extLst>
       <p:ext uri="{BB962C8B-B14F-4D97-AF65-F5344CB8AC3E}">
         <p14:creationId xmlns:p14="http://schemas.microsoft.com/office/powerpoint/2010/main" val="1233013849"/>
+      </p:ext>
+    </p:extLst>
+  </p:cSld>
+  <p:clrMapOvr>
+    <a:masterClrMapping/>
+  </p:clrMapOvr>
+</p:notes>
+</file>
+
+<file path=ppt/notesSlides/notesSlide6.xml><?xml version="1.0" encoding="utf-8"?>
+<p:notes xmlns:a="http://schemas.openxmlformats.org/drawingml/2006/main" xmlns:r="http://schemas.openxmlformats.org/officeDocument/2006/relationships" xmlns:p="http://schemas.openxmlformats.org/presentationml/2006/main">
+  <p:cSld>
+    <p:spTree>
+      <p:nvGrpSpPr>
+        <p:cNvPr id="1" name=""/>
+        <p:cNvGrpSpPr/>
+        <p:nvPr/>
+      </p:nvGrpSpPr>
+      <p:grpSpPr>
+        <a:xfrm>
+          <a:off x="0" y="0"/>
+          <a:ext cx="0" cy="0"/>
+          <a:chOff x="0" y="0"/>
+          <a:chExt cx="0" cy="0"/>
+        </a:xfrm>
+      </p:grpSpPr>
+      <p:sp>
+        <p:nvSpPr>
+          <p:cNvPr id="2" name="投影片影像版面配置區 1"/>
+          <p:cNvSpPr>
+            <a:spLocks noGrp="1" noRot="1" noChangeAspect="1"/>
+          </p:cNvSpPr>
+          <p:nvPr>
+            <p:ph type="sldImg"/>
+          </p:nvPr>
+        </p:nvSpPr>
+        <p:spPr/>
+      </p:sp>
+      <p:sp>
+        <p:nvSpPr>
+          <p:cNvPr id="3" name="備忘稿版面配置區 2"/>
+          <p:cNvSpPr>
+            <a:spLocks noGrp="1"/>
+          </p:cNvSpPr>
+          <p:nvPr>
+            <p:ph type="body" idx="1"/>
+          </p:nvPr>
+        </p:nvSpPr>
+        <p:spPr/>
+        <p:txBody>
+          <a:bodyPr/>
+          <a:lstStyle/>
+          <a:p>
+            <a:endParaRPr lang="en-US" altLang="zh-TW">
+              <a:solidFill>
+                <a:srgbClr val="BCBEC4"/>
+              </a:solidFill>
+              <a:effectLst/>
+            </a:endParaRPr>
+          </a:p>
+        </p:txBody>
+      </p:sp>
+      <p:sp>
+        <p:nvSpPr>
+          <p:cNvPr id="4" name="投影片編號版面配置區 3"/>
+          <p:cNvSpPr>
+            <a:spLocks noGrp="1"/>
+          </p:cNvSpPr>
+          <p:nvPr>
+            <p:ph type="sldNum" sz="quarter" idx="5"/>
+          </p:nvPr>
+        </p:nvSpPr>
+        <p:spPr/>
+        <p:txBody>
+          <a:bodyPr/>
+          <a:lstStyle/>
+          <a:p>
+            <a:fld id="{B29CB067-BC29-4E03-9D8B-5E2AC68A99F3}" type="slidenum">
+              <a:rPr lang="zh-TW" altLang="en-US" smtClean="0"/>
+              <a:t>7</a:t>
+            </a:fld>
+            <a:endParaRPr lang="zh-TW" altLang="en-US"/>
+          </a:p>
+        </p:txBody>
+      </p:sp>
+    </p:spTree>
+    <p:extLst>
+      <p:ext uri="{BB962C8B-B14F-4D97-AF65-F5344CB8AC3E}">
+        <p14:creationId xmlns:p14="http://schemas.microsoft.com/office/powerpoint/2010/main" val="728979073"/>
       </p:ext>
     </p:extLst>
   </p:cSld>
@@ -9612,15 +9702,7 @@
           <a:p>
             <a:r>
               <a:rPr lang="zh-TW" altLang="en-US"/>
-              <a:t>第一個</a:t>
-            </a:r>
-            <a:r>
-              <a:rPr lang="en-US" altLang="zh-TW" dirty="0"/>
-              <a:t>Java</a:t>
-            </a:r>
-            <a:r>
-              <a:rPr lang="zh-TW" altLang="en-US"/>
-              <a:t>程式</a:t>
+              <a:t>編輯器</a:t>
             </a:r>
           </a:p>
         </p:txBody>
@@ -9686,7 +9768,7 @@
         <p:spPr>
           <a:xfrm>
             <a:off x="838197" y="2486533"/>
-            <a:ext cx="10994681" cy="2148842"/>
+            <a:ext cx="10994681" cy="2139788"/>
           </a:xfrm>
           <a:prstGeom prst="rect">
             <a:avLst/>
@@ -10166,15 +10248,7 @@
           <a:p>
             <a:r>
               <a:rPr lang="zh-TW" altLang="en-US"/>
-              <a:t>第一個</a:t>
-            </a:r>
-            <a:r>
-              <a:rPr lang="en-US" altLang="zh-TW" dirty="0"/>
-              <a:t>Java</a:t>
-            </a:r>
-            <a:r>
-              <a:rPr lang="zh-TW" altLang="en-US"/>
-              <a:t>程式</a:t>
+              <a:t>編輯器</a:t>
             </a:r>
           </a:p>
         </p:txBody>
@@ -10649,7 +10723,7 @@
         </p:nvSpPr>
         <p:spPr>
           <a:xfrm>
-            <a:off x="6093602" y="2899101"/>
+            <a:off x="6093602" y="2892429"/>
             <a:ext cx="5322305" cy="3406416"/>
           </a:xfrm>
           <a:custGeom>
@@ -12903,15 +12977,7 @@
           <a:p>
             <a:r>
               <a:rPr lang="zh-TW" altLang="en-US"/>
-              <a:t>第一個</a:t>
-            </a:r>
-            <a:r>
-              <a:rPr lang="en-US" altLang="zh-TW" dirty="0"/>
-              <a:t>Java</a:t>
-            </a:r>
-            <a:r>
-              <a:rPr lang="zh-TW" altLang="en-US"/>
-              <a:t>程式</a:t>
+              <a:t>編輯器</a:t>
             </a:r>
           </a:p>
         </p:txBody>
@@ -14449,13 +14515,13 @@
   <p:clrMapOvr>
     <a:masterClrMapping/>
   </p:clrMapOvr>
-  <mc:AlternateContent xmlns:mc="http://schemas.openxmlformats.org/markup-compatibility/2006">
-    <mc:Choice xmlns:p159="http://schemas.microsoft.com/office/powerpoint/2015/09/main" Requires="p159">
+  <mc:AlternateContent xmlns:mc="http://schemas.openxmlformats.org/markup-compatibility/2006" xmlns:p159="http://schemas.microsoft.com/office/powerpoint/2015/09/main">
+    <mc:Choice Requires="p159">
       <p:transition xmlns:p14="http://schemas.microsoft.com/office/powerpoint/2010/main" spd="med" p14:dur="700">
         <p159:morph option="byObject"/>
       </p:transition>
     </mc:Choice>
-    <mc:Fallback>
+    <mc:Fallback xmlns="">
       <p:transition spd="med">
         <p:fade/>
       </p:transition>
@@ -14792,15 +14858,7 @@
           <a:p>
             <a:r>
               <a:rPr lang="zh-TW" altLang="en-US"/>
-              <a:t>第一個</a:t>
-            </a:r>
-            <a:r>
-              <a:rPr lang="en-US" altLang="zh-TW" dirty="0"/>
-              <a:t>Java</a:t>
-            </a:r>
-            <a:r>
-              <a:rPr lang="zh-TW" altLang="en-US"/>
-              <a:t>程式</a:t>
+              <a:t>編輯器</a:t>
             </a:r>
           </a:p>
         </p:txBody>
@@ -16214,9 +16272,18 @@
   <p:clrMapOvr>
     <a:masterClrMapping/>
   </p:clrMapOvr>
-  <p:transition spd="slow">
-    <p:wipe dir="r"/>
-  </p:transition>
+  <mc:AlternateContent xmlns:mc="http://schemas.openxmlformats.org/markup-compatibility/2006">
+    <mc:Choice xmlns:p14="http://schemas.microsoft.com/office/powerpoint/2010/main" Requires="p14">
+      <p:transition spd="med" p14:dur="700">
+        <p:wipe dir="r"/>
+      </p:transition>
+    </mc:Choice>
+    <mc:Fallback>
+      <p:transition spd="med">
+        <p:wipe dir="r"/>
+      </p:transition>
+    </mc:Fallback>
+  </mc:AlternateContent>
   <p:timing>
     <p:tnLst>
       <p:par>
@@ -16394,6 +16461,1726 @@
       <p:bldP spid="11" grpId="0" animBg="1"/>
     </p:bldLst>
   </p:timing>
+</p:sld>
+</file>
+
+<file path=ppt/slides/slide7.xml><?xml version="1.0" encoding="utf-8"?>
+<p:sld xmlns:a="http://schemas.openxmlformats.org/drawingml/2006/main" xmlns:r="http://schemas.openxmlformats.org/officeDocument/2006/relationships" xmlns:p="http://schemas.openxmlformats.org/presentationml/2006/main">
+  <p:cSld>
+    <p:spTree>
+      <p:nvGrpSpPr>
+        <p:cNvPr id="1" name=""/>
+        <p:cNvGrpSpPr/>
+        <p:nvPr/>
+      </p:nvGrpSpPr>
+      <p:grpSpPr>
+        <a:xfrm>
+          <a:off x="0" y="0"/>
+          <a:ext cx="0" cy="0"/>
+          <a:chOff x="0" y="0"/>
+          <a:chExt cx="0" cy="0"/>
+        </a:xfrm>
+      </p:grpSpPr>
+      <p:sp>
+        <p:nvSpPr>
+          <p:cNvPr id="2" name="標題 1">
+            <a:extLst>
+              <a:ext uri="{FF2B5EF4-FFF2-40B4-BE49-F238E27FC236}">
+                <a16:creationId xmlns:a16="http://schemas.microsoft.com/office/drawing/2014/main" id="{9F2EE2D1-8102-410E-A569-41AEBA690F58}"/>
+              </a:ext>
+            </a:extLst>
+          </p:cNvPr>
+          <p:cNvSpPr>
+            <a:spLocks noGrp="1"/>
+          </p:cNvSpPr>
+          <p:nvPr>
+            <p:ph type="title"/>
+          </p:nvPr>
+        </p:nvSpPr>
+        <p:spPr>
+          <a:xfrm>
+            <a:off x="838200" y="365125"/>
+            <a:ext cx="10515600" cy="1325563"/>
+          </a:xfrm>
+        </p:spPr>
+        <p:txBody>
+          <a:bodyPr/>
+          <a:lstStyle/>
+          <a:p>
+            <a:r>
+              <a:rPr lang="zh-TW" altLang="en-US"/>
+              <a:t>編輯器</a:t>
+            </a:r>
+          </a:p>
+        </p:txBody>
+      </p:sp>
+      <p:sp>
+        <p:nvSpPr>
+          <p:cNvPr id="59" name="手繪多邊形: 圖案 58">
+            <a:extLst>
+              <a:ext uri="{FF2B5EF4-FFF2-40B4-BE49-F238E27FC236}">
+                <a16:creationId xmlns:a16="http://schemas.microsoft.com/office/drawing/2014/main" id="{B2F66653-5C5E-43AC-B919-CC11952AEAD2}"/>
+              </a:ext>
+            </a:extLst>
+          </p:cNvPr>
+          <p:cNvSpPr/>
+          <p:nvPr/>
+        </p:nvSpPr>
+        <p:spPr>
+          <a:xfrm>
+            <a:off x="782750" y="1729431"/>
+            <a:ext cx="5322305" cy="1170811"/>
+          </a:xfrm>
+          <a:custGeom>
+            <a:avLst/>
+            <a:gdLst>
+              <a:gd name="connsiteX0" fmla="*/ 554771 w 5322305"/>
+              <a:gd name="connsiteY0" fmla="*/ 0 h 1170811"/>
+              <a:gd name="connsiteX1" fmla="*/ 622687 w 5322305"/>
+              <a:gd name="connsiteY1" fmla="*/ 0 h 1170811"/>
+              <a:gd name="connsiteX2" fmla="*/ 622687 w 5322305"/>
+              <a:gd name="connsiteY2" fmla="*/ 17 h 1170811"/>
+              <a:gd name="connsiteX3" fmla="*/ 1391398 w 5322305"/>
+              <a:gd name="connsiteY3" fmla="*/ 17 h 1170811"/>
+              <a:gd name="connsiteX4" fmla="*/ 1391495 w 5322305"/>
+              <a:gd name="connsiteY4" fmla="*/ 0 h 1170811"/>
+              <a:gd name="connsiteX5" fmla="*/ 1936363 w 5322305"/>
+              <a:gd name="connsiteY5" fmla="*/ 0 h 1170811"/>
+              <a:gd name="connsiteX6" fmla="*/ 2110971 w 5322305"/>
+              <a:gd name="connsiteY6" fmla="*/ 0 h 1170811"/>
+              <a:gd name="connsiteX7" fmla="*/ 2292774 w 5322305"/>
+              <a:gd name="connsiteY7" fmla="*/ 0 h 1170811"/>
+              <a:gd name="connsiteX8" fmla="*/ 2292774 w 5322305"/>
+              <a:gd name="connsiteY8" fmla="*/ 17 h 1170811"/>
+              <a:gd name="connsiteX9" fmla="*/ 2655838 w 5322305"/>
+              <a:gd name="connsiteY9" fmla="*/ 17 h 1170811"/>
+              <a:gd name="connsiteX10" fmla="*/ 2655838 w 5322305"/>
+              <a:gd name="connsiteY10" fmla="*/ 17 h 1170811"/>
+              <a:gd name="connsiteX11" fmla="*/ 3289156 w 5322305"/>
+              <a:gd name="connsiteY11" fmla="*/ 17 h 1170811"/>
+              <a:gd name="connsiteX12" fmla="*/ 3424550 w 5322305"/>
+              <a:gd name="connsiteY12" fmla="*/ 17 h 1170811"/>
+              <a:gd name="connsiteX13" fmla="*/ 3424553 w 5322305"/>
+              <a:gd name="connsiteY13" fmla="*/ 17 h 1170811"/>
+              <a:gd name="connsiteX14" fmla="*/ 4144122 w 5322305"/>
+              <a:gd name="connsiteY14" fmla="*/ 17 h 1170811"/>
+              <a:gd name="connsiteX15" fmla="*/ 4144122 w 5322305"/>
+              <a:gd name="connsiteY15" fmla="*/ 17 h 1170811"/>
+              <a:gd name="connsiteX16" fmla="*/ 5322305 w 5322305"/>
+              <a:gd name="connsiteY16" fmla="*/ 17 h 1170811"/>
+              <a:gd name="connsiteX17" fmla="*/ 5322305 w 5322305"/>
+              <a:gd name="connsiteY17" fmla="*/ 1170796 h 1170811"/>
+              <a:gd name="connsiteX18" fmla="*/ 4144122 w 5322305"/>
+              <a:gd name="connsiteY18" fmla="*/ 1170796 h 1170811"/>
+              <a:gd name="connsiteX19" fmla="*/ 4144122 w 5322305"/>
+              <a:gd name="connsiteY19" fmla="*/ 1170797 h 1170811"/>
+              <a:gd name="connsiteX20" fmla="*/ 3024662 w 5322305"/>
+              <a:gd name="connsiteY20" fmla="*/ 1170797 h 1170811"/>
+              <a:gd name="connsiteX21" fmla="*/ 3024662 w 5322305"/>
+              <a:gd name="connsiteY21" fmla="*/ 1170796 h 1170811"/>
+              <a:gd name="connsiteX22" fmla="*/ 3023961 w 5322305"/>
+              <a:gd name="connsiteY22" fmla="*/ 1170796 h 1170811"/>
+              <a:gd name="connsiteX23" fmla="*/ 2655838 w 5322305"/>
+              <a:gd name="connsiteY23" fmla="*/ 1170796 h 1170811"/>
+              <a:gd name="connsiteX24" fmla="*/ 2655838 w 5322305"/>
+              <a:gd name="connsiteY24" fmla="*/ 1170797 h 1170811"/>
+              <a:gd name="connsiteX25" fmla="*/ 2292774 w 5322305"/>
+              <a:gd name="connsiteY25" fmla="*/ 1170797 h 1170811"/>
+              <a:gd name="connsiteX26" fmla="*/ 2292774 w 5322305"/>
+              <a:gd name="connsiteY26" fmla="*/ 1170811 h 1170811"/>
+              <a:gd name="connsiteX27" fmla="*/ 2110971 w 5322305"/>
+              <a:gd name="connsiteY27" fmla="*/ 1170811 h 1170811"/>
+              <a:gd name="connsiteX28" fmla="*/ 1536378 w 5322305"/>
+              <a:gd name="connsiteY28" fmla="*/ 1170811 h 1170811"/>
+              <a:gd name="connsiteX29" fmla="*/ 991511 w 5322305"/>
+              <a:gd name="connsiteY29" fmla="*/ 1170811 h 1170811"/>
+              <a:gd name="connsiteX30" fmla="*/ 991511 w 5322305"/>
+              <a:gd name="connsiteY30" fmla="*/ 1170796 h 1170811"/>
+              <a:gd name="connsiteX31" fmla="*/ 990810 w 5322305"/>
+              <a:gd name="connsiteY31" fmla="*/ 1170796 h 1170811"/>
+              <a:gd name="connsiteX32" fmla="*/ 622687 w 5322305"/>
+              <a:gd name="connsiteY32" fmla="*/ 1170796 h 1170811"/>
+              <a:gd name="connsiteX33" fmla="*/ 622687 w 5322305"/>
+              <a:gd name="connsiteY33" fmla="*/ 1170811 h 1170811"/>
+              <a:gd name="connsiteX34" fmla="*/ 0 w 5322305"/>
+              <a:gd name="connsiteY34" fmla="*/ 1170811 h 1170811"/>
+              <a:gd name="connsiteX35" fmla="*/ 0 w 5322305"/>
+              <a:gd name="connsiteY35" fmla="*/ 539875 h 1170811"/>
+              <a:gd name="connsiteX36" fmla="*/ 9190 w 5322305"/>
+              <a:gd name="connsiteY36" fmla="*/ 448706 h 1170811"/>
+              <a:gd name="connsiteX37" fmla="*/ 447036 w 5322305"/>
+              <a:gd name="connsiteY37" fmla="*/ 10860 h 1170811"/>
+            </a:gdLst>
+            <a:ahLst/>
+            <a:cxnLst>
+              <a:cxn ang="0">
+                <a:pos x="connsiteX0" y="connsiteY0"/>
+              </a:cxn>
+              <a:cxn ang="0">
+                <a:pos x="connsiteX1" y="connsiteY1"/>
+              </a:cxn>
+              <a:cxn ang="0">
+                <a:pos x="connsiteX2" y="connsiteY2"/>
+              </a:cxn>
+              <a:cxn ang="0">
+                <a:pos x="connsiteX3" y="connsiteY3"/>
+              </a:cxn>
+              <a:cxn ang="0">
+                <a:pos x="connsiteX4" y="connsiteY4"/>
+              </a:cxn>
+              <a:cxn ang="0">
+                <a:pos x="connsiteX5" y="connsiteY5"/>
+              </a:cxn>
+              <a:cxn ang="0">
+                <a:pos x="connsiteX6" y="connsiteY6"/>
+              </a:cxn>
+              <a:cxn ang="0">
+                <a:pos x="connsiteX7" y="connsiteY7"/>
+              </a:cxn>
+              <a:cxn ang="0">
+                <a:pos x="connsiteX8" y="connsiteY8"/>
+              </a:cxn>
+              <a:cxn ang="0">
+                <a:pos x="connsiteX9" y="connsiteY9"/>
+              </a:cxn>
+              <a:cxn ang="0">
+                <a:pos x="connsiteX10" y="connsiteY10"/>
+              </a:cxn>
+              <a:cxn ang="0">
+                <a:pos x="connsiteX11" y="connsiteY11"/>
+              </a:cxn>
+              <a:cxn ang="0">
+                <a:pos x="connsiteX12" y="connsiteY12"/>
+              </a:cxn>
+              <a:cxn ang="0">
+                <a:pos x="connsiteX13" y="connsiteY13"/>
+              </a:cxn>
+              <a:cxn ang="0">
+                <a:pos x="connsiteX14" y="connsiteY14"/>
+              </a:cxn>
+              <a:cxn ang="0">
+                <a:pos x="connsiteX15" y="connsiteY15"/>
+              </a:cxn>
+              <a:cxn ang="0">
+                <a:pos x="connsiteX16" y="connsiteY16"/>
+              </a:cxn>
+              <a:cxn ang="0">
+                <a:pos x="connsiteX17" y="connsiteY17"/>
+              </a:cxn>
+              <a:cxn ang="0">
+                <a:pos x="connsiteX18" y="connsiteY18"/>
+              </a:cxn>
+              <a:cxn ang="0">
+                <a:pos x="connsiteX19" y="connsiteY19"/>
+              </a:cxn>
+              <a:cxn ang="0">
+                <a:pos x="connsiteX20" y="connsiteY20"/>
+              </a:cxn>
+              <a:cxn ang="0">
+                <a:pos x="connsiteX21" y="connsiteY21"/>
+              </a:cxn>
+              <a:cxn ang="0">
+                <a:pos x="connsiteX22" y="connsiteY22"/>
+              </a:cxn>
+              <a:cxn ang="0">
+                <a:pos x="connsiteX23" y="connsiteY23"/>
+              </a:cxn>
+              <a:cxn ang="0">
+                <a:pos x="connsiteX24" y="connsiteY24"/>
+              </a:cxn>
+              <a:cxn ang="0">
+                <a:pos x="connsiteX25" y="connsiteY25"/>
+              </a:cxn>
+              <a:cxn ang="0">
+                <a:pos x="connsiteX26" y="connsiteY26"/>
+              </a:cxn>
+              <a:cxn ang="0">
+                <a:pos x="connsiteX27" y="connsiteY27"/>
+              </a:cxn>
+              <a:cxn ang="0">
+                <a:pos x="connsiteX28" y="connsiteY28"/>
+              </a:cxn>
+              <a:cxn ang="0">
+                <a:pos x="connsiteX29" y="connsiteY29"/>
+              </a:cxn>
+              <a:cxn ang="0">
+                <a:pos x="connsiteX30" y="connsiteY30"/>
+              </a:cxn>
+              <a:cxn ang="0">
+                <a:pos x="connsiteX31" y="connsiteY31"/>
+              </a:cxn>
+              <a:cxn ang="0">
+                <a:pos x="connsiteX32" y="connsiteY32"/>
+              </a:cxn>
+              <a:cxn ang="0">
+                <a:pos x="connsiteX33" y="connsiteY33"/>
+              </a:cxn>
+              <a:cxn ang="0">
+                <a:pos x="connsiteX34" y="connsiteY34"/>
+              </a:cxn>
+              <a:cxn ang="0">
+                <a:pos x="connsiteX35" y="connsiteY35"/>
+              </a:cxn>
+              <a:cxn ang="0">
+                <a:pos x="connsiteX36" y="connsiteY36"/>
+              </a:cxn>
+              <a:cxn ang="0">
+                <a:pos x="connsiteX37" y="connsiteY37"/>
+              </a:cxn>
+            </a:cxnLst>
+            <a:rect l="l" t="t" r="r" b="b"/>
+            <a:pathLst>
+              <a:path w="5322305" h="1170811">
+                <a:moveTo>
+                  <a:pt x="554771" y="0"/>
+                </a:moveTo>
+                <a:lnTo>
+                  <a:pt x="622687" y="0"/>
+                </a:lnTo>
+                <a:lnTo>
+                  <a:pt x="622687" y="17"/>
+                </a:lnTo>
+                <a:lnTo>
+                  <a:pt x="1391398" y="17"/>
+                </a:lnTo>
+                <a:lnTo>
+                  <a:pt x="1391495" y="0"/>
+                </a:lnTo>
+                <a:lnTo>
+                  <a:pt x="1936363" y="0"/>
+                </a:lnTo>
+                <a:lnTo>
+                  <a:pt x="2110971" y="0"/>
+                </a:lnTo>
+                <a:lnTo>
+                  <a:pt x="2292774" y="0"/>
+                </a:lnTo>
+                <a:lnTo>
+                  <a:pt x="2292774" y="17"/>
+                </a:lnTo>
+                <a:lnTo>
+                  <a:pt x="2655838" y="17"/>
+                </a:lnTo>
+                <a:lnTo>
+                  <a:pt x="2655838" y="17"/>
+                </a:lnTo>
+                <a:lnTo>
+                  <a:pt x="3289156" y="17"/>
+                </a:lnTo>
+                <a:lnTo>
+                  <a:pt x="3424550" y="17"/>
+                </a:lnTo>
+                <a:lnTo>
+                  <a:pt x="3424553" y="17"/>
+                </a:lnTo>
+                <a:lnTo>
+                  <a:pt x="4144122" y="17"/>
+                </a:lnTo>
+                <a:lnTo>
+                  <a:pt x="4144122" y="17"/>
+                </a:lnTo>
+                <a:lnTo>
+                  <a:pt x="5322305" y="17"/>
+                </a:lnTo>
+                <a:lnTo>
+                  <a:pt x="5322305" y="1170796"/>
+                </a:lnTo>
+                <a:lnTo>
+                  <a:pt x="4144122" y="1170796"/>
+                </a:lnTo>
+                <a:lnTo>
+                  <a:pt x="4144122" y="1170797"/>
+                </a:lnTo>
+                <a:lnTo>
+                  <a:pt x="3024662" y="1170797"/>
+                </a:lnTo>
+                <a:lnTo>
+                  <a:pt x="3024662" y="1170796"/>
+                </a:lnTo>
+                <a:lnTo>
+                  <a:pt x="3023961" y="1170796"/>
+                </a:lnTo>
+                <a:lnTo>
+                  <a:pt x="2655838" y="1170796"/>
+                </a:lnTo>
+                <a:lnTo>
+                  <a:pt x="2655838" y="1170797"/>
+                </a:lnTo>
+                <a:lnTo>
+                  <a:pt x="2292774" y="1170797"/>
+                </a:lnTo>
+                <a:lnTo>
+                  <a:pt x="2292774" y="1170811"/>
+                </a:lnTo>
+                <a:lnTo>
+                  <a:pt x="2110971" y="1170811"/>
+                </a:lnTo>
+                <a:lnTo>
+                  <a:pt x="1536378" y="1170811"/>
+                </a:lnTo>
+                <a:lnTo>
+                  <a:pt x="991511" y="1170811"/>
+                </a:lnTo>
+                <a:lnTo>
+                  <a:pt x="991511" y="1170796"/>
+                </a:lnTo>
+                <a:lnTo>
+                  <a:pt x="990810" y="1170796"/>
+                </a:lnTo>
+                <a:lnTo>
+                  <a:pt x="622687" y="1170796"/>
+                </a:lnTo>
+                <a:lnTo>
+                  <a:pt x="622687" y="1170811"/>
+                </a:lnTo>
+                <a:lnTo>
+                  <a:pt x="0" y="1170811"/>
+                </a:lnTo>
+                <a:lnTo>
+                  <a:pt x="0" y="539875"/>
+                </a:lnTo>
+                <a:lnTo>
+                  <a:pt x="9190" y="448706"/>
+                </a:lnTo>
+                <a:cubicBezTo>
+                  <a:pt x="54163" y="228933"/>
+                  <a:pt x="227263" y="55832"/>
+                  <a:pt x="447036" y="10860"/>
+                </a:cubicBezTo>
+                <a:close/>
+              </a:path>
+            </a:pathLst>
+          </a:custGeom>
+          <a:solidFill>
+            <a:srgbClr val="92D050"/>
+          </a:solidFill>
+          <a:ln>
+            <a:noFill/>
+          </a:ln>
+        </p:spPr>
+        <p:style>
+          <a:lnRef idx="2">
+            <a:schemeClr val="accent1">
+              <a:shade val="50000"/>
+            </a:schemeClr>
+          </a:lnRef>
+          <a:fillRef idx="1">
+            <a:schemeClr val="accent1"/>
+          </a:fillRef>
+          <a:effectRef idx="0">
+            <a:schemeClr val="accent1"/>
+          </a:effectRef>
+          <a:fontRef idx="minor">
+            <a:schemeClr val="lt1"/>
+          </a:fontRef>
+        </p:style>
+        <p:txBody>
+          <a:bodyPr wrap="square" rtlCol="0" anchor="ctr">
+            <a:noAutofit/>
+          </a:bodyPr>
+          <a:lstStyle/>
+          <a:p>
+            <a:pPr marL="0" marR="0" lvl="0" indent="0" algn="ctr" defTabSz="914400" rtl="0" eaLnBrk="1" fontAlgn="auto" latinLnBrk="0" hangingPunct="1">
+              <a:lnSpc>
+                <a:spcPct val="100000"/>
+              </a:lnSpc>
+              <a:spcBef>
+                <a:spcPts val="0"/>
+              </a:spcBef>
+              <a:spcAft>
+                <a:spcPts val="0"/>
+              </a:spcAft>
+              <a:buClrTx/>
+              <a:buSzTx/>
+              <a:buFontTx/>
+              <a:buNone/>
+              <a:tabLst/>
+              <a:defRPr/>
+            </a:pPr>
+            <a:r>
+              <a:rPr kumimoji="0" lang="zh-TW" altLang="en-US" sz="2400" b="0" i="0" u="none" strike="noStrike" kern="1200" cap="none" spc="0" normalizeH="0" baseline="0" noProof="0">
+                <a:ln>
+                  <a:noFill/>
+                </a:ln>
+                <a:solidFill>
+                  <a:srgbClr val="000000"/>
+                </a:solidFill>
+                <a:effectLst/>
+                <a:uLnTx/>
+                <a:uFillTx/>
+                <a:ea typeface="微軟正黑體 Light"/>
+                <a:cs typeface="+mn-cs"/>
+              </a:rPr>
+              <a:t>文字編輯器</a:t>
+            </a:r>
+            <a:endParaRPr kumimoji="0" lang="en-US" altLang="zh-TW" sz="2400" b="0" i="0" u="none" strike="noStrike" kern="1200" cap="none" spc="0" normalizeH="0" baseline="0" noProof="0">
+              <a:ln>
+                <a:noFill/>
+              </a:ln>
+              <a:solidFill>
+                <a:srgbClr val="000000"/>
+              </a:solidFill>
+              <a:effectLst/>
+              <a:uLnTx/>
+              <a:uFillTx/>
+              <a:ea typeface="微軟正黑體 Light"/>
+              <a:cs typeface="+mn-cs"/>
+            </a:endParaRPr>
+          </a:p>
+          <a:p>
+            <a:pPr marL="0" marR="0" lvl="0" indent="0" algn="ctr" defTabSz="914400" rtl="0" eaLnBrk="1" fontAlgn="auto" latinLnBrk="0" hangingPunct="1">
+              <a:lnSpc>
+                <a:spcPct val="100000"/>
+              </a:lnSpc>
+              <a:spcBef>
+                <a:spcPts val="0"/>
+              </a:spcBef>
+              <a:spcAft>
+                <a:spcPts val="0"/>
+              </a:spcAft>
+              <a:buClrTx/>
+              <a:buSzTx/>
+              <a:buFontTx/>
+              <a:buNone/>
+              <a:tabLst/>
+              <a:defRPr/>
+            </a:pPr>
+            <a:r>
+              <a:rPr lang="en-US" altLang="zh-TW" sz="2400">
+                <a:solidFill>
+                  <a:srgbClr val="000000"/>
+                </a:solidFill>
+                <a:ea typeface="微軟正黑體 Light"/>
+              </a:rPr>
+              <a:t>(text editor)</a:t>
+            </a:r>
+            <a:endParaRPr kumimoji="0" lang="zh-TW" altLang="en-US" sz="1800" b="0" i="0" u="none" strike="noStrike" kern="1200" cap="none" spc="0" normalizeH="0" baseline="0" noProof="0">
+              <a:ln>
+                <a:noFill/>
+              </a:ln>
+              <a:solidFill>
+                <a:prstClr val="white"/>
+              </a:solidFill>
+              <a:effectLst/>
+              <a:uLnTx/>
+              <a:uFillTx/>
+              <a:ea typeface="微軟正黑體 Light"/>
+              <a:cs typeface="+mn-cs"/>
+            </a:endParaRPr>
+          </a:p>
+        </p:txBody>
+      </p:sp>
+      <p:sp>
+        <p:nvSpPr>
+          <p:cNvPr id="64" name="手繪多邊形: 圖案 63">
+            <a:extLst>
+              <a:ext uri="{FF2B5EF4-FFF2-40B4-BE49-F238E27FC236}">
+                <a16:creationId xmlns:a16="http://schemas.microsoft.com/office/drawing/2014/main" id="{AA4EDEC6-8E80-411B-97A1-9C35C3D01867}"/>
+              </a:ext>
+            </a:extLst>
+          </p:cNvPr>
+          <p:cNvSpPr/>
+          <p:nvPr/>
+        </p:nvSpPr>
+        <p:spPr>
+          <a:xfrm flipH="1">
+            <a:off x="776094" y="2899101"/>
+            <a:ext cx="5324196" cy="3406416"/>
+          </a:xfrm>
+          <a:custGeom>
+            <a:avLst/>
+            <a:gdLst>
+              <a:gd name="connsiteX0" fmla="*/ 5324196 w 5324196"/>
+              <a:gd name="connsiteY0" fmla="*/ 0 h 3406416"/>
+              <a:gd name="connsiteX1" fmla="*/ 2737726 w 5324196"/>
+              <a:gd name="connsiteY1" fmla="*/ 0 h 3406416"/>
+              <a:gd name="connsiteX2" fmla="*/ 2737726 w 5324196"/>
+              <a:gd name="connsiteY2" fmla="*/ 1014 h 3406416"/>
+              <a:gd name="connsiteX3" fmla="*/ 1509644 w 5324196"/>
+              <a:gd name="connsiteY3" fmla="*/ 1014 h 3406416"/>
+              <a:gd name="connsiteX4" fmla="*/ 1336745 w 5324196"/>
+              <a:gd name="connsiteY4" fmla="*/ 1014 h 3406416"/>
+              <a:gd name="connsiteX5" fmla="*/ 1891 w 5324196"/>
+              <a:gd name="connsiteY5" fmla="*/ 1014 h 3406416"/>
+              <a:gd name="connsiteX6" fmla="*/ 1891 w 5324196"/>
+              <a:gd name="connsiteY6" fmla="*/ 2235620 h 3406416"/>
+              <a:gd name="connsiteX7" fmla="*/ 0 w 5324196"/>
+              <a:gd name="connsiteY7" fmla="*/ 2235620 h 3406416"/>
+              <a:gd name="connsiteX8" fmla="*/ 0 w 5324196"/>
+              <a:gd name="connsiteY8" fmla="*/ 3406399 h 3406416"/>
+              <a:gd name="connsiteX9" fmla="*/ 1891 w 5324196"/>
+              <a:gd name="connsiteY9" fmla="*/ 3406399 h 3406416"/>
+              <a:gd name="connsiteX10" fmla="*/ 1891 w 5324196"/>
+              <a:gd name="connsiteY10" fmla="*/ 3406414 h 3406416"/>
+              <a:gd name="connsiteX11" fmla="*/ 1332361 w 5324196"/>
+              <a:gd name="connsiteY11" fmla="*/ 3406414 h 3406416"/>
+              <a:gd name="connsiteX12" fmla="*/ 1509644 w 5324196"/>
+              <a:gd name="connsiteY12" fmla="*/ 3406414 h 3406416"/>
+              <a:gd name="connsiteX13" fmla="*/ 2734876 w 5324196"/>
+              <a:gd name="connsiteY13" fmla="*/ 3406414 h 3406416"/>
+              <a:gd name="connsiteX14" fmla="*/ 2734876 w 5324196"/>
+              <a:gd name="connsiteY14" fmla="*/ 3406416 h 3406416"/>
+              <a:gd name="connsiteX15" fmla="*/ 3029531 w 5324196"/>
+              <a:gd name="connsiteY15" fmla="*/ 3406416 h 3406416"/>
+              <a:gd name="connsiteX16" fmla="*/ 3211334 w 5324196"/>
+              <a:gd name="connsiteY16" fmla="*/ 3406416 h 3406416"/>
+              <a:gd name="connsiteX17" fmla="*/ 3385942 w 5324196"/>
+              <a:gd name="connsiteY17" fmla="*/ 3406416 h 3406416"/>
+              <a:gd name="connsiteX18" fmla="*/ 3930810 w 5324196"/>
+              <a:gd name="connsiteY18" fmla="*/ 3406416 h 3406416"/>
+              <a:gd name="connsiteX19" fmla="*/ 4400049 w 5324196"/>
+              <a:gd name="connsiteY19" fmla="*/ 3406416 h 3406416"/>
+              <a:gd name="connsiteX20" fmla="*/ 4400461 w 5324196"/>
+              <a:gd name="connsiteY20" fmla="*/ 3406399 h 3406416"/>
+              <a:gd name="connsiteX21" fmla="*/ 4699618 w 5324196"/>
+              <a:gd name="connsiteY21" fmla="*/ 3406399 h 3406416"/>
+              <a:gd name="connsiteX22" fmla="*/ 4699618 w 5324196"/>
+              <a:gd name="connsiteY22" fmla="*/ 3406416 h 3406416"/>
+              <a:gd name="connsiteX23" fmla="*/ 4767534 w 5324196"/>
+              <a:gd name="connsiteY23" fmla="*/ 3406416 h 3406416"/>
+              <a:gd name="connsiteX24" fmla="*/ 4875269 w 5324196"/>
+              <a:gd name="connsiteY24" fmla="*/ 3395556 h 3406416"/>
+              <a:gd name="connsiteX25" fmla="*/ 5313115 w 5324196"/>
+              <a:gd name="connsiteY25" fmla="*/ 2957710 h 3406416"/>
+              <a:gd name="connsiteX26" fmla="*/ 5322305 w 5324196"/>
+              <a:gd name="connsiteY26" fmla="*/ 2866541 h 3406416"/>
+              <a:gd name="connsiteX27" fmla="*/ 5322305 w 5324196"/>
+              <a:gd name="connsiteY27" fmla="*/ 2667054 h 3406416"/>
+              <a:gd name="connsiteX28" fmla="*/ 5324196 w 5324196"/>
+              <a:gd name="connsiteY28" fmla="*/ 2651735 h 3406416"/>
+            </a:gdLst>
+            <a:ahLst/>
+            <a:cxnLst>
+              <a:cxn ang="0">
+                <a:pos x="connsiteX0" y="connsiteY0"/>
+              </a:cxn>
+              <a:cxn ang="0">
+                <a:pos x="connsiteX1" y="connsiteY1"/>
+              </a:cxn>
+              <a:cxn ang="0">
+                <a:pos x="connsiteX2" y="connsiteY2"/>
+              </a:cxn>
+              <a:cxn ang="0">
+                <a:pos x="connsiteX3" y="connsiteY3"/>
+              </a:cxn>
+              <a:cxn ang="0">
+                <a:pos x="connsiteX4" y="connsiteY4"/>
+              </a:cxn>
+              <a:cxn ang="0">
+                <a:pos x="connsiteX5" y="connsiteY5"/>
+              </a:cxn>
+              <a:cxn ang="0">
+                <a:pos x="connsiteX6" y="connsiteY6"/>
+              </a:cxn>
+              <a:cxn ang="0">
+                <a:pos x="connsiteX7" y="connsiteY7"/>
+              </a:cxn>
+              <a:cxn ang="0">
+                <a:pos x="connsiteX8" y="connsiteY8"/>
+              </a:cxn>
+              <a:cxn ang="0">
+                <a:pos x="connsiteX9" y="connsiteY9"/>
+              </a:cxn>
+              <a:cxn ang="0">
+                <a:pos x="connsiteX10" y="connsiteY10"/>
+              </a:cxn>
+              <a:cxn ang="0">
+                <a:pos x="connsiteX11" y="connsiteY11"/>
+              </a:cxn>
+              <a:cxn ang="0">
+                <a:pos x="connsiteX12" y="connsiteY12"/>
+              </a:cxn>
+              <a:cxn ang="0">
+                <a:pos x="connsiteX13" y="connsiteY13"/>
+              </a:cxn>
+              <a:cxn ang="0">
+                <a:pos x="connsiteX14" y="connsiteY14"/>
+              </a:cxn>
+              <a:cxn ang="0">
+                <a:pos x="connsiteX15" y="connsiteY15"/>
+              </a:cxn>
+              <a:cxn ang="0">
+                <a:pos x="connsiteX16" y="connsiteY16"/>
+              </a:cxn>
+              <a:cxn ang="0">
+                <a:pos x="connsiteX17" y="connsiteY17"/>
+              </a:cxn>
+              <a:cxn ang="0">
+                <a:pos x="connsiteX18" y="connsiteY18"/>
+              </a:cxn>
+              <a:cxn ang="0">
+                <a:pos x="connsiteX19" y="connsiteY19"/>
+              </a:cxn>
+              <a:cxn ang="0">
+                <a:pos x="connsiteX20" y="connsiteY20"/>
+              </a:cxn>
+              <a:cxn ang="0">
+                <a:pos x="connsiteX21" y="connsiteY21"/>
+              </a:cxn>
+              <a:cxn ang="0">
+                <a:pos x="connsiteX22" y="connsiteY22"/>
+              </a:cxn>
+              <a:cxn ang="0">
+                <a:pos x="connsiteX23" y="connsiteY23"/>
+              </a:cxn>
+              <a:cxn ang="0">
+                <a:pos x="connsiteX24" y="connsiteY24"/>
+              </a:cxn>
+              <a:cxn ang="0">
+                <a:pos x="connsiteX25" y="connsiteY25"/>
+              </a:cxn>
+              <a:cxn ang="0">
+                <a:pos x="connsiteX26" y="connsiteY26"/>
+              </a:cxn>
+              <a:cxn ang="0">
+                <a:pos x="connsiteX27" y="connsiteY27"/>
+              </a:cxn>
+              <a:cxn ang="0">
+                <a:pos x="connsiteX28" y="connsiteY28"/>
+              </a:cxn>
+            </a:cxnLst>
+            <a:rect l="l" t="t" r="r" b="b"/>
+            <a:pathLst>
+              <a:path w="5324196" h="3406416">
+                <a:moveTo>
+                  <a:pt x="5324196" y="0"/>
+                </a:moveTo>
+                <a:lnTo>
+                  <a:pt x="2737726" y="0"/>
+                </a:lnTo>
+                <a:lnTo>
+                  <a:pt x="2737726" y="1014"/>
+                </a:lnTo>
+                <a:lnTo>
+                  <a:pt x="1509644" y="1014"/>
+                </a:lnTo>
+                <a:lnTo>
+                  <a:pt x="1336745" y="1014"/>
+                </a:lnTo>
+                <a:lnTo>
+                  <a:pt x="1891" y="1014"/>
+                </a:lnTo>
+                <a:lnTo>
+                  <a:pt x="1891" y="2235620"/>
+                </a:lnTo>
+                <a:lnTo>
+                  <a:pt x="0" y="2235620"/>
+                </a:lnTo>
+                <a:lnTo>
+                  <a:pt x="0" y="3406399"/>
+                </a:lnTo>
+                <a:lnTo>
+                  <a:pt x="1891" y="3406399"/>
+                </a:lnTo>
+                <a:lnTo>
+                  <a:pt x="1891" y="3406414"/>
+                </a:lnTo>
+                <a:lnTo>
+                  <a:pt x="1332361" y="3406414"/>
+                </a:lnTo>
+                <a:lnTo>
+                  <a:pt x="1509644" y="3406414"/>
+                </a:lnTo>
+                <a:lnTo>
+                  <a:pt x="2734876" y="3406414"/>
+                </a:lnTo>
+                <a:lnTo>
+                  <a:pt x="2734876" y="3406416"/>
+                </a:lnTo>
+                <a:lnTo>
+                  <a:pt x="3029531" y="3406416"/>
+                </a:lnTo>
+                <a:lnTo>
+                  <a:pt x="3211334" y="3406416"/>
+                </a:lnTo>
+                <a:lnTo>
+                  <a:pt x="3385942" y="3406416"/>
+                </a:lnTo>
+                <a:lnTo>
+                  <a:pt x="3930810" y="3406416"/>
+                </a:lnTo>
+                <a:lnTo>
+                  <a:pt x="4400049" y="3406416"/>
+                </a:lnTo>
+                <a:lnTo>
+                  <a:pt x="4400461" y="3406399"/>
+                </a:lnTo>
+                <a:lnTo>
+                  <a:pt x="4699618" y="3406399"/>
+                </a:lnTo>
+                <a:lnTo>
+                  <a:pt x="4699618" y="3406416"/>
+                </a:lnTo>
+                <a:lnTo>
+                  <a:pt x="4767534" y="3406416"/>
+                </a:lnTo>
+                <a:lnTo>
+                  <a:pt x="4875269" y="3395556"/>
+                </a:lnTo>
+                <a:cubicBezTo>
+                  <a:pt x="5095042" y="3350584"/>
+                  <a:pt x="5268142" y="3177483"/>
+                  <a:pt x="5313115" y="2957710"/>
+                </a:cubicBezTo>
+                <a:lnTo>
+                  <a:pt x="5322305" y="2866541"/>
+                </a:lnTo>
+                <a:lnTo>
+                  <a:pt x="5322305" y="2667054"/>
+                </a:lnTo>
+                <a:lnTo>
+                  <a:pt x="5324196" y="2651735"/>
+                </a:lnTo>
+                <a:close/>
+              </a:path>
+            </a:pathLst>
+          </a:custGeom>
+          <a:solidFill>
+            <a:srgbClr val="CCFFCC"/>
+          </a:solidFill>
+          <a:ln>
+            <a:noFill/>
+          </a:ln>
+        </p:spPr>
+        <p:style>
+          <a:lnRef idx="2">
+            <a:schemeClr val="accent1">
+              <a:shade val="50000"/>
+            </a:schemeClr>
+          </a:lnRef>
+          <a:fillRef idx="1">
+            <a:schemeClr val="accent1"/>
+          </a:fillRef>
+          <a:effectRef idx="0">
+            <a:schemeClr val="accent1"/>
+          </a:effectRef>
+          <a:fontRef idx="minor">
+            <a:schemeClr val="lt1"/>
+          </a:fontRef>
+        </p:style>
+        <p:txBody>
+          <a:bodyPr wrap="square" rtlCol="0" anchor="ctr">
+            <a:noAutofit/>
+          </a:bodyPr>
+          <a:lstStyle/>
+          <a:p>
+            <a:pPr marL="0" marR="0" lvl="0" indent="0" algn="ctr" defTabSz="914400" rtl="0" eaLnBrk="1" fontAlgn="auto" latinLnBrk="0" hangingPunct="1">
+              <a:lnSpc>
+                <a:spcPct val="100000"/>
+              </a:lnSpc>
+              <a:spcBef>
+                <a:spcPts val="0"/>
+              </a:spcBef>
+              <a:spcAft>
+                <a:spcPts val="0"/>
+              </a:spcAft>
+              <a:buClrTx/>
+              <a:buSzTx/>
+              <a:buFontTx/>
+              <a:buNone/>
+              <a:tabLst/>
+              <a:defRPr/>
+            </a:pPr>
+            <a:r>
+              <a:rPr lang="zh-TW" altLang="en-US" sz="2400">
+                <a:solidFill>
+                  <a:srgbClr val="000000"/>
+                </a:solidFill>
+                <a:ea typeface="微軟正黑體 Light"/>
+              </a:rPr>
+              <a:t>顧名思義，用來編輯文字</a:t>
+            </a:r>
+            <a:endParaRPr lang="en-US" altLang="zh-TW" sz="2400">
+              <a:solidFill>
+                <a:srgbClr val="000000"/>
+              </a:solidFill>
+              <a:ea typeface="微軟正黑體 Light"/>
+            </a:endParaRPr>
+          </a:p>
+          <a:p>
+            <a:pPr marL="0" marR="0" lvl="0" indent="0" algn="ctr" defTabSz="914400" rtl="0" eaLnBrk="1" fontAlgn="auto" latinLnBrk="0" hangingPunct="1">
+              <a:lnSpc>
+                <a:spcPct val="100000"/>
+              </a:lnSpc>
+              <a:spcBef>
+                <a:spcPts val="0"/>
+              </a:spcBef>
+              <a:spcAft>
+                <a:spcPts val="0"/>
+              </a:spcAft>
+              <a:buClrTx/>
+              <a:buSzTx/>
+              <a:buFontTx/>
+              <a:buNone/>
+              <a:tabLst/>
+              <a:defRPr/>
+            </a:pPr>
+            <a:r>
+              <a:rPr lang="zh-TW" altLang="en-US" sz="2400">
+                <a:solidFill>
+                  <a:srgbClr val="000000"/>
+                </a:solidFill>
+                <a:ea typeface="微軟正黑體 Light"/>
+              </a:rPr>
+              <a:t>不限於程式語言，想寫什麼都可以</a:t>
+            </a:r>
+            <a:endParaRPr lang="en-US" altLang="zh-TW" sz="2400">
+              <a:solidFill>
+                <a:srgbClr val="000000"/>
+              </a:solidFill>
+              <a:ea typeface="微軟正黑體 Light"/>
+            </a:endParaRPr>
+          </a:p>
+          <a:p>
+            <a:pPr marL="0" marR="0" lvl="0" indent="0" algn="ctr" defTabSz="914400" rtl="0" eaLnBrk="1" fontAlgn="auto" latinLnBrk="0" hangingPunct="1">
+              <a:lnSpc>
+                <a:spcPct val="100000"/>
+              </a:lnSpc>
+              <a:spcBef>
+                <a:spcPts val="0"/>
+              </a:spcBef>
+              <a:spcAft>
+                <a:spcPts val="0"/>
+              </a:spcAft>
+              <a:buClrTx/>
+              <a:buSzTx/>
+              <a:buFontTx/>
+              <a:buNone/>
+              <a:tabLst/>
+              <a:defRPr/>
+            </a:pPr>
+            <a:r>
+              <a:rPr lang="zh-TW" altLang="en-US" sz="2400">
+                <a:solidFill>
+                  <a:srgbClr val="000000"/>
+                </a:solidFill>
+                <a:ea typeface="微軟正黑體 Light"/>
+              </a:rPr>
+              <a:t>如：</a:t>
+            </a:r>
+            <a:r>
+              <a:rPr lang="en-US" altLang="zh-TW" sz="2400">
+                <a:solidFill>
+                  <a:srgbClr val="000000"/>
+                </a:solidFill>
+                <a:ea typeface="微軟正黑體 Light"/>
+              </a:rPr>
+              <a:t>vi</a:t>
+            </a:r>
+            <a:r>
+              <a:rPr lang="zh-TW" altLang="en-US" sz="2400">
+                <a:solidFill>
+                  <a:srgbClr val="000000"/>
+                </a:solidFill>
+                <a:ea typeface="微軟正黑體 Light"/>
+              </a:rPr>
+              <a:t>、</a:t>
+            </a:r>
+            <a:r>
+              <a:rPr lang="en-US" altLang="zh-TW" sz="2400">
+                <a:solidFill>
+                  <a:srgbClr val="000000"/>
+                </a:solidFill>
+                <a:ea typeface="微軟正黑體 Light"/>
+              </a:rPr>
+              <a:t>nano</a:t>
+            </a:r>
+            <a:r>
+              <a:rPr lang="zh-TW" altLang="en-US" sz="2400">
+                <a:solidFill>
+                  <a:srgbClr val="000000"/>
+                </a:solidFill>
+                <a:ea typeface="微軟正黑體 Light"/>
+              </a:rPr>
+              <a:t>、</a:t>
+            </a:r>
+            <a:r>
+              <a:rPr lang="en-US" altLang="zh-TW" sz="2400">
+                <a:solidFill>
+                  <a:srgbClr val="000000"/>
+                </a:solidFill>
+                <a:ea typeface="微軟正黑體 Light"/>
+              </a:rPr>
+              <a:t>emacs</a:t>
+            </a:r>
+          </a:p>
+          <a:p>
+            <a:pPr marL="0" marR="0" lvl="0" indent="0" algn="ctr" defTabSz="914400" rtl="0" eaLnBrk="1" fontAlgn="auto" latinLnBrk="0" hangingPunct="1">
+              <a:lnSpc>
+                <a:spcPct val="100000"/>
+              </a:lnSpc>
+              <a:spcBef>
+                <a:spcPts val="0"/>
+              </a:spcBef>
+              <a:spcAft>
+                <a:spcPts val="0"/>
+              </a:spcAft>
+              <a:buClrTx/>
+              <a:buSzTx/>
+              <a:buFontTx/>
+              <a:buNone/>
+              <a:tabLst/>
+              <a:defRPr/>
+            </a:pPr>
+            <a:r>
+              <a:rPr lang="zh-TW" altLang="en-US" sz="2400">
+                <a:solidFill>
+                  <a:srgbClr val="000000"/>
+                </a:solidFill>
+                <a:ea typeface="微軟正黑體 Light"/>
+              </a:rPr>
+              <a:t>、</a:t>
+            </a:r>
+            <a:r>
+              <a:rPr lang="en-US" altLang="zh-TW" sz="2400">
+                <a:solidFill>
+                  <a:srgbClr val="000000"/>
+                </a:solidFill>
+                <a:ea typeface="微軟正黑體 Light"/>
+              </a:rPr>
+              <a:t>notepad(Windows </a:t>
+            </a:r>
+            <a:r>
+              <a:rPr lang="zh-TW" altLang="en-US" sz="2400">
+                <a:solidFill>
+                  <a:srgbClr val="000000"/>
+                </a:solidFill>
+                <a:ea typeface="微軟正黑體 Light"/>
+              </a:rPr>
+              <a:t>記事本</a:t>
+            </a:r>
+            <a:r>
+              <a:rPr lang="en-US" altLang="zh-TW" sz="2400">
+                <a:solidFill>
+                  <a:srgbClr val="000000"/>
+                </a:solidFill>
+                <a:ea typeface="微軟正黑體 Light"/>
+              </a:rPr>
+              <a:t>)</a:t>
+            </a:r>
+          </a:p>
+          <a:p>
+            <a:pPr marL="0" marR="0" lvl="0" indent="0" algn="ctr" defTabSz="914400" rtl="0" eaLnBrk="1" fontAlgn="auto" latinLnBrk="0" hangingPunct="1">
+              <a:lnSpc>
+                <a:spcPct val="100000"/>
+              </a:lnSpc>
+              <a:spcBef>
+                <a:spcPts val="0"/>
+              </a:spcBef>
+              <a:spcAft>
+                <a:spcPts val="0"/>
+              </a:spcAft>
+              <a:buClrTx/>
+              <a:buSzTx/>
+              <a:buFontTx/>
+              <a:buNone/>
+              <a:tabLst/>
+              <a:defRPr/>
+            </a:pPr>
+            <a:endParaRPr lang="en-US" altLang="zh-TW" sz="2400">
+              <a:solidFill>
+                <a:srgbClr val="000000"/>
+              </a:solidFill>
+              <a:ea typeface="微軟正黑體 Light"/>
+            </a:endParaRPr>
+          </a:p>
+          <a:p>
+            <a:pPr marL="0" marR="0" lvl="0" indent="0" algn="ctr" defTabSz="914400" rtl="0" eaLnBrk="1" fontAlgn="auto" latinLnBrk="0" hangingPunct="1">
+              <a:lnSpc>
+                <a:spcPct val="100000"/>
+              </a:lnSpc>
+              <a:spcBef>
+                <a:spcPts val="0"/>
+              </a:spcBef>
+              <a:spcAft>
+                <a:spcPts val="0"/>
+              </a:spcAft>
+              <a:buClrTx/>
+              <a:buSzTx/>
+              <a:buFontTx/>
+              <a:buNone/>
+              <a:tabLst/>
+              <a:defRPr/>
+            </a:pPr>
+            <a:r>
+              <a:rPr lang="zh-TW" altLang="en-US" sz="2400">
+                <a:solidFill>
+                  <a:srgbClr val="000000"/>
+                </a:solidFill>
+                <a:ea typeface="微軟正黑體 Light"/>
+              </a:rPr>
+              <a:t>有些還可以加入插件</a:t>
+            </a:r>
+            <a:r>
+              <a:rPr lang="en-US" altLang="zh-TW" sz="2400">
+                <a:solidFill>
+                  <a:srgbClr val="000000"/>
+                </a:solidFill>
+                <a:ea typeface="微軟正黑體 Light"/>
+              </a:rPr>
+              <a:t>(plugin)</a:t>
+            </a:r>
+          </a:p>
+          <a:p>
+            <a:pPr marL="0" marR="0" lvl="0" indent="0" algn="ctr" defTabSz="914400" rtl="0" eaLnBrk="1" fontAlgn="auto" latinLnBrk="0" hangingPunct="1">
+              <a:lnSpc>
+                <a:spcPct val="100000"/>
+              </a:lnSpc>
+              <a:spcBef>
+                <a:spcPts val="0"/>
+              </a:spcBef>
+              <a:spcAft>
+                <a:spcPts val="0"/>
+              </a:spcAft>
+              <a:buClrTx/>
+              <a:buSzTx/>
+              <a:buFontTx/>
+              <a:buNone/>
+              <a:tabLst/>
+              <a:defRPr/>
+            </a:pPr>
+            <a:r>
+              <a:rPr lang="zh-TW" altLang="en-US" sz="2400">
+                <a:solidFill>
+                  <a:srgbClr val="000000"/>
+                </a:solidFill>
+                <a:ea typeface="微軟正黑體 Light"/>
+              </a:rPr>
+              <a:t>實現有自動補全</a:t>
+            </a:r>
+            <a:r>
+              <a:rPr lang="en-US" altLang="zh-TW" sz="2400">
+                <a:solidFill>
+                  <a:srgbClr val="000000"/>
+                </a:solidFill>
+                <a:ea typeface="微軟正黑體 Light"/>
+              </a:rPr>
+              <a:t>(auto-complete)</a:t>
+            </a:r>
+          </a:p>
+          <a:p>
+            <a:pPr marL="0" marR="0" lvl="0" indent="0" algn="ctr" defTabSz="914400" rtl="0" eaLnBrk="1" fontAlgn="auto" latinLnBrk="0" hangingPunct="1">
+              <a:lnSpc>
+                <a:spcPct val="100000"/>
+              </a:lnSpc>
+              <a:spcBef>
+                <a:spcPts val="0"/>
+              </a:spcBef>
+              <a:spcAft>
+                <a:spcPts val="0"/>
+              </a:spcAft>
+              <a:buClrTx/>
+              <a:buSzTx/>
+              <a:buFontTx/>
+              <a:buNone/>
+              <a:tabLst/>
+              <a:defRPr/>
+            </a:pPr>
+            <a:r>
+              <a:rPr lang="zh-TW" altLang="en-US" sz="2400">
+                <a:solidFill>
+                  <a:srgbClr val="000000"/>
+                </a:solidFill>
+                <a:ea typeface="微軟正黑體 Light"/>
+              </a:rPr>
+              <a:t>如：</a:t>
+            </a:r>
+            <a:r>
+              <a:rPr lang="en-US" altLang="zh-TW" sz="2400">
+                <a:solidFill>
+                  <a:srgbClr val="000000"/>
+                </a:solidFill>
+                <a:ea typeface="微軟正黑體 Light"/>
+              </a:rPr>
+              <a:t>Vim</a:t>
+            </a:r>
+            <a:r>
+              <a:rPr lang="zh-TW" altLang="en-US" sz="2400">
+                <a:solidFill>
+                  <a:srgbClr val="000000"/>
+                </a:solidFill>
+                <a:ea typeface="微軟正黑體 Light"/>
+              </a:rPr>
+              <a:t>、</a:t>
+            </a:r>
+            <a:r>
+              <a:rPr lang="en-US" altLang="zh-TW" sz="2400">
+                <a:solidFill>
+                  <a:srgbClr val="000000"/>
+                </a:solidFill>
+                <a:ea typeface="微軟正黑體 Light"/>
+              </a:rPr>
+              <a:t>Neovim</a:t>
+            </a:r>
+            <a:r>
+              <a:rPr lang="zh-TW" altLang="en-US" sz="2400">
+                <a:solidFill>
+                  <a:srgbClr val="000000"/>
+                </a:solidFill>
+                <a:ea typeface="微軟正黑體 Light"/>
+              </a:rPr>
+              <a:t>、</a:t>
+            </a:r>
+            <a:r>
+              <a:rPr lang="en-US" altLang="zh-TW" sz="2400">
+                <a:solidFill>
+                  <a:srgbClr val="000000"/>
+                </a:solidFill>
+                <a:ea typeface="微軟正黑體 Light"/>
+              </a:rPr>
+              <a:t>Notepad++</a:t>
+            </a:r>
+          </a:p>
+          <a:p>
+            <a:pPr marL="0" marR="0" lvl="0" indent="0" algn="ctr" defTabSz="914400" rtl="0" eaLnBrk="1" fontAlgn="auto" latinLnBrk="0" hangingPunct="1">
+              <a:lnSpc>
+                <a:spcPct val="100000"/>
+              </a:lnSpc>
+              <a:spcBef>
+                <a:spcPts val="0"/>
+              </a:spcBef>
+              <a:spcAft>
+                <a:spcPts val="0"/>
+              </a:spcAft>
+              <a:buClrTx/>
+              <a:buSzTx/>
+              <a:buFontTx/>
+              <a:buNone/>
+              <a:tabLst/>
+              <a:defRPr/>
+            </a:pPr>
+            <a:r>
+              <a:rPr lang="zh-TW" altLang="en-US" sz="2400">
+                <a:solidFill>
+                  <a:srgbClr val="000000"/>
+                </a:solidFill>
+                <a:ea typeface="微軟正黑體 Light"/>
+              </a:rPr>
+              <a:t>、</a:t>
+            </a:r>
+            <a:r>
+              <a:rPr lang="en-US" altLang="zh-TW" sz="2400">
+                <a:solidFill>
+                  <a:srgbClr val="000000"/>
+                </a:solidFill>
+                <a:ea typeface="微軟正黑體 Light"/>
+              </a:rPr>
+              <a:t>Python IDLE</a:t>
+            </a:r>
+            <a:r>
+              <a:rPr lang="zh-TW" altLang="en-US" sz="2400">
+                <a:solidFill>
+                  <a:srgbClr val="000000"/>
+                </a:solidFill>
+                <a:ea typeface="微軟正黑體 Light"/>
+              </a:rPr>
+              <a:t>、</a:t>
+            </a:r>
+            <a:r>
+              <a:rPr lang="en-US" altLang="zh-TW" sz="2400">
+                <a:solidFill>
+                  <a:srgbClr val="000000"/>
+                </a:solidFill>
+                <a:ea typeface="微軟正黑體 Light"/>
+              </a:rPr>
+              <a:t>Atom</a:t>
+            </a:r>
+            <a:r>
+              <a:rPr lang="zh-TW" altLang="en-US" sz="2400">
+                <a:solidFill>
+                  <a:srgbClr val="000000"/>
+                </a:solidFill>
+                <a:ea typeface="微軟正黑體 Light"/>
+              </a:rPr>
+              <a:t>、</a:t>
+            </a:r>
+            <a:r>
+              <a:rPr lang="en-US" altLang="zh-TW" sz="2400">
+                <a:solidFill>
+                  <a:srgbClr val="000000"/>
+                </a:solidFill>
+                <a:ea typeface="微軟正黑體 Light"/>
+              </a:rPr>
+              <a:t>VScode</a:t>
+            </a:r>
+          </a:p>
+        </p:txBody>
+      </p:sp>
+      <p:sp>
+        <p:nvSpPr>
+          <p:cNvPr id="12" name="矩形: 圓角 11">
+            <a:extLst>
+              <a:ext uri="{FF2B5EF4-FFF2-40B4-BE49-F238E27FC236}">
+                <a16:creationId xmlns:a16="http://schemas.microsoft.com/office/drawing/2014/main" id="{B7F73429-E3C6-4487-9677-2AAEDEA43F8F}"/>
+              </a:ext>
+            </a:extLst>
+          </p:cNvPr>
+          <p:cNvSpPr/>
+          <p:nvPr/>
+        </p:nvSpPr>
+        <p:spPr>
+          <a:xfrm>
+            <a:off x="276885" y="1186005"/>
+            <a:ext cx="1693753" cy="883818"/>
+          </a:xfrm>
+          <a:prstGeom prst="roundRect">
+            <a:avLst/>
+          </a:prstGeom>
+          <a:solidFill>
+            <a:srgbClr val="CCFFCC"/>
+          </a:solidFill>
+          <a:ln w="38100">
+            <a:solidFill>
+              <a:srgbClr val="66CCFF"/>
+            </a:solidFill>
+          </a:ln>
+        </p:spPr>
+        <p:style>
+          <a:lnRef idx="2">
+            <a:schemeClr val="accent1">
+              <a:shade val="50000"/>
+            </a:schemeClr>
+          </a:lnRef>
+          <a:fillRef idx="1">
+            <a:schemeClr val="accent1"/>
+          </a:fillRef>
+          <a:effectRef idx="0">
+            <a:schemeClr val="accent1"/>
+          </a:effectRef>
+          <a:fontRef idx="minor">
+            <a:schemeClr val="lt1"/>
+          </a:fontRef>
+        </p:style>
+        <p:txBody>
+          <a:bodyPr rtlCol="0" anchor="ctr"/>
+          <a:lstStyle/>
+          <a:p>
+            <a:pPr algn="ctr"/>
+            <a:r>
+              <a:rPr lang="zh-TW" altLang="en-US" sz="2800">
+                <a:solidFill>
+                  <a:srgbClr val="FF0000"/>
+                </a:solidFill>
+              </a:rPr>
+              <a:t>功能少</a:t>
+            </a:r>
+            <a:endParaRPr lang="en-US" altLang="zh-TW" sz="2800">
+              <a:solidFill>
+                <a:srgbClr val="FF0000"/>
+              </a:solidFill>
+            </a:endParaRPr>
+          </a:p>
+          <a:p>
+            <a:pPr algn="ctr"/>
+            <a:r>
+              <a:rPr lang="zh-TW" altLang="en-US" sz="2800">
+                <a:solidFill>
+                  <a:srgbClr val="FF0000"/>
+                </a:solidFill>
+              </a:rPr>
+              <a:t>易上手</a:t>
+            </a:r>
+          </a:p>
+        </p:txBody>
+      </p:sp>
+      <p:sp>
+        <p:nvSpPr>
+          <p:cNvPr id="7" name="矩形: 圓角 6">
+            <a:extLst>
+              <a:ext uri="{FF2B5EF4-FFF2-40B4-BE49-F238E27FC236}">
+                <a16:creationId xmlns:a16="http://schemas.microsoft.com/office/drawing/2014/main" id="{3CAC09E7-9B13-40DC-8EC7-33A125D44853}"/>
+              </a:ext>
+            </a:extLst>
+          </p:cNvPr>
+          <p:cNvSpPr/>
+          <p:nvPr/>
+        </p:nvSpPr>
+        <p:spPr>
+          <a:xfrm>
+            <a:off x="4009678" y="5548832"/>
+            <a:ext cx="1597371" cy="368817"/>
+          </a:xfrm>
+          <a:prstGeom prst="roundRect">
+            <a:avLst/>
+          </a:prstGeom>
+          <a:noFill/>
+          <a:ln w="28575">
+            <a:solidFill>
+              <a:srgbClr val="FF0000"/>
+            </a:solidFill>
+          </a:ln>
+        </p:spPr>
+        <p:style>
+          <a:lnRef idx="2">
+            <a:schemeClr val="accent1">
+              <a:shade val="50000"/>
+            </a:schemeClr>
+          </a:lnRef>
+          <a:fillRef idx="1">
+            <a:schemeClr val="accent1"/>
+          </a:fillRef>
+          <a:effectRef idx="0">
+            <a:schemeClr val="accent1"/>
+          </a:effectRef>
+          <a:fontRef idx="minor">
+            <a:schemeClr val="lt1"/>
+          </a:fontRef>
+        </p:style>
+        <p:txBody>
+          <a:bodyPr rtlCol="0" anchor="ctr"/>
+          <a:lstStyle/>
+          <a:p>
+            <a:pPr algn="ctr"/>
+            <a:endParaRPr lang="zh-TW" altLang="en-US"/>
+          </a:p>
+        </p:txBody>
+      </p:sp>
+      <p:sp>
+        <p:nvSpPr>
+          <p:cNvPr id="3" name="文字方塊 2">
+            <a:extLst>
+              <a:ext uri="{FF2B5EF4-FFF2-40B4-BE49-F238E27FC236}">
+                <a16:creationId xmlns:a16="http://schemas.microsoft.com/office/drawing/2014/main" id="{38AAEF30-145F-4A12-86A4-B646E9F22786}"/>
+              </a:ext>
+            </a:extLst>
+          </p:cNvPr>
+          <p:cNvSpPr txBox="1"/>
+          <p:nvPr/>
+        </p:nvSpPr>
+        <p:spPr>
+          <a:xfrm>
+            <a:off x="6389680" y="2465541"/>
+            <a:ext cx="4564070" cy="954107"/>
+          </a:xfrm>
+          <a:prstGeom prst="rect">
+            <a:avLst/>
+          </a:prstGeom>
+          <a:noFill/>
+        </p:spPr>
+        <p:txBody>
+          <a:bodyPr wrap="none" rtlCol="0">
+            <a:spAutoFit/>
+          </a:bodyPr>
+          <a:lstStyle/>
+          <a:p>
+            <a:r>
+              <a:rPr lang="zh-TW" altLang="en-US" sz="2800">
+                <a:solidFill>
+                  <a:srgbClr val="92D050"/>
+                </a:solidFill>
+              </a:rPr>
+              <a:t>讓我們用</a:t>
+            </a:r>
+            <a:r>
+              <a:rPr lang="en-US" altLang="zh-TW" sz="2800">
+                <a:solidFill>
+                  <a:srgbClr val="92D050"/>
+                </a:solidFill>
+              </a:rPr>
+              <a:t>Notepad++</a:t>
+            </a:r>
+          </a:p>
+          <a:p>
+            <a:r>
+              <a:rPr lang="zh-TW" altLang="en-US" sz="2800">
+                <a:solidFill>
+                  <a:srgbClr val="92D050"/>
+                </a:solidFill>
+              </a:rPr>
+              <a:t>撰寫我們的第一個</a:t>
+            </a:r>
+            <a:r>
+              <a:rPr lang="en-US" altLang="zh-TW" sz="2800">
+                <a:solidFill>
+                  <a:srgbClr val="92D050"/>
+                </a:solidFill>
+              </a:rPr>
+              <a:t>Java</a:t>
+            </a:r>
+            <a:r>
+              <a:rPr lang="zh-TW" altLang="en-US" sz="2800">
+                <a:solidFill>
+                  <a:srgbClr val="92D050"/>
+                </a:solidFill>
+              </a:rPr>
+              <a:t>程式</a:t>
+            </a:r>
+          </a:p>
+        </p:txBody>
+      </p:sp>
+      <p:grpSp>
+        <p:nvGrpSpPr>
+          <p:cNvPr id="15" name="群組 14">
+            <a:extLst>
+              <a:ext uri="{FF2B5EF4-FFF2-40B4-BE49-F238E27FC236}">
+                <a16:creationId xmlns:a16="http://schemas.microsoft.com/office/drawing/2014/main" id="{AFACBD43-1BBB-45A8-A828-6EEA9803D93D}"/>
+              </a:ext>
+            </a:extLst>
+          </p:cNvPr>
+          <p:cNvGrpSpPr/>
+          <p:nvPr/>
+        </p:nvGrpSpPr>
+        <p:grpSpPr>
+          <a:xfrm>
+            <a:off x="6370629" y="3746236"/>
+            <a:ext cx="5753803" cy="2187840"/>
+            <a:chOff x="6370629" y="2841361"/>
+            <a:chExt cx="5753803" cy="2187840"/>
+          </a:xfrm>
+        </p:grpSpPr>
+        <p:sp>
+          <p:nvSpPr>
+            <p:cNvPr id="5" name="矩形: 圓角 4">
+              <a:extLst>
+                <a:ext uri="{FF2B5EF4-FFF2-40B4-BE49-F238E27FC236}">
+                  <a16:creationId xmlns:a16="http://schemas.microsoft.com/office/drawing/2014/main" id="{90CF88DA-07C4-42DF-8709-04DD290A046B}"/>
+                </a:ext>
+              </a:extLst>
+            </p:cNvPr>
+            <p:cNvSpPr/>
+            <p:nvPr/>
+          </p:nvSpPr>
+          <p:spPr>
+            <a:xfrm>
+              <a:off x="6370629" y="2841361"/>
+              <a:ext cx="5753803" cy="2187840"/>
+            </a:xfrm>
+            <a:prstGeom prst="roundRect">
+              <a:avLst/>
+            </a:prstGeom>
+            <a:ln>
+              <a:noFill/>
+            </a:ln>
+          </p:spPr>
+          <p:style>
+            <a:lnRef idx="2">
+              <a:schemeClr val="accent1">
+                <a:shade val="50000"/>
+              </a:schemeClr>
+            </a:lnRef>
+            <a:fillRef idx="1">
+              <a:schemeClr val="accent1"/>
+            </a:fillRef>
+            <a:effectRef idx="0">
+              <a:schemeClr val="accent1"/>
+            </a:effectRef>
+            <a:fontRef idx="minor">
+              <a:schemeClr val="lt1"/>
+            </a:fontRef>
+          </p:style>
+          <p:txBody>
+            <a:bodyPr rtlCol="0" anchor="ctr"/>
+            <a:lstStyle/>
+            <a:p>
+              <a:pPr algn="ctr"/>
+              <a:endParaRPr lang="zh-TW" altLang="en-US">
+                <a:solidFill>
+                  <a:schemeClr val="bg1"/>
+                </a:solidFill>
+              </a:endParaRPr>
+            </a:p>
+          </p:txBody>
+        </p:sp>
+        <p:pic>
+          <p:nvPicPr>
+            <p:cNvPr id="1026" name="Picture 2" descr="undefined">
+              <a:extLst>
+                <a:ext uri="{FF2B5EF4-FFF2-40B4-BE49-F238E27FC236}">
+                  <a16:creationId xmlns:a16="http://schemas.microsoft.com/office/drawing/2014/main" id="{6D3BF477-9005-433A-BE74-846AA07636E0}"/>
+                </a:ext>
+              </a:extLst>
+            </p:cNvPr>
+            <p:cNvPicPr>
+              <a:picLocks noChangeAspect="1" noChangeArrowheads="1"/>
+            </p:cNvPicPr>
+            <p:nvPr/>
+          </p:nvPicPr>
+          <p:blipFill>
+            <a:blip r:embed="rId3">
+              <a:extLst>
+                <a:ext uri="{28A0092B-C50C-407E-A947-70E740481C1C}">
+                  <a14:useLocalDpi xmlns:a14="http://schemas.microsoft.com/office/drawing/2010/main" val="0"/>
+                </a:ext>
+              </a:extLst>
+            </a:blip>
+            <a:srcRect/>
+            <a:stretch>
+              <a:fillRect/>
+            </a:stretch>
+          </p:blipFill>
+          <p:spPr bwMode="auto">
+            <a:xfrm>
+              <a:off x="6370630" y="3110813"/>
+              <a:ext cx="1906595" cy="1649608"/>
+            </a:xfrm>
+            <a:prstGeom prst="rect">
+              <a:avLst/>
+            </a:prstGeom>
+            <a:noFill/>
+            <a:extLst>
+              <a:ext uri="{909E8E84-426E-40DD-AFC4-6F175D3DCCD1}">
+                <a14:hiddenFill xmlns:a14="http://schemas.microsoft.com/office/drawing/2010/main">
+                  <a:solidFill>
+                    <a:srgbClr val="FFFFFF"/>
+                  </a:solidFill>
+                </a14:hiddenFill>
+              </a:ext>
+            </a:extLst>
+          </p:spPr>
+        </p:pic>
+        <p:sp>
+          <p:nvSpPr>
+            <p:cNvPr id="16" name="文字方塊 15">
+              <a:extLst>
+                <a:ext uri="{FF2B5EF4-FFF2-40B4-BE49-F238E27FC236}">
+                  <a16:creationId xmlns:a16="http://schemas.microsoft.com/office/drawing/2014/main" id="{122A283F-DC82-4411-9FBD-BB342F21DD80}"/>
+                </a:ext>
+              </a:extLst>
+            </p:cNvPr>
+            <p:cNvSpPr txBox="1"/>
+            <p:nvPr/>
+          </p:nvSpPr>
+          <p:spPr>
+            <a:xfrm>
+              <a:off x="8361355" y="2951946"/>
+              <a:ext cx="3570208" cy="1938992"/>
+            </a:xfrm>
+            <a:prstGeom prst="rect">
+              <a:avLst/>
+            </a:prstGeom>
+            <a:noFill/>
+          </p:spPr>
+          <p:txBody>
+            <a:bodyPr wrap="none" rtlCol="0">
+              <a:spAutoFit/>
+            </a:bodyPr>
+            <a:lstStyle/>
+            <a:p>
+              <a:r>
+                <a:rPr lang="zh-TW" altLang="en-US" sz="2400">
+                  <a:solidFill>
+                    <a:schemeClr val="bg1"/>
+                  </a:solidFill>
+                </a:rPr>
+                <a:t>作者：侯今吾</a:t>
+              </a:r>
+              <a:r>
+                <a:rPr lang="en-US" altLang="zh-TW" sz="2400">
+                  <a:solidFill>
+                    <a:schemeClr val="bg1"/>
+                  </a:solidFill>
+                </a:rPr>
+                <a:t>(</a:t>
+              </a:r>
+              <a:r>
+                <a:rPr lang="zh-TW" altLang="en-US" sz="2400">
+                  <a:solidFill>
+                    <a:schemeClr val="bg1"/>
+                  </a:solidFill>
+                </a:rPr>
+                <a:t>台灣人</a:t>
+              </a:r>
+              <a:r>
+                <a:rPr lang="en-US" altLang="zh-TW" sz="2400">
+                  <a:solidFill>
+                    <a:schemeClr val="bg1"/>
+                  </a:solidFill>
+                </a:rPr>
+                <a:t>)</a:t>
+              </a:r>
+            </a:p>
+            <a:p>
+              <a:r>
+                <a:rPr lang="zh-TW" altLang="en-US" sz="2400">
+                  <a:solidFill>
+                    <a:schemeClr val="bg1"/>
+                  </a:solidFill>
+                </a:rPr>
+                <a:t>自由開源軟體</a:t>
+              </a:r>
+              <a:endParaRPr lang="en-US" altLang="zh-TW" sz="2400">
+                <a:solidFill>
+                  <a:schemeClr val="bg1"/>
+                </a:solidFill>
+              </a:endParaRPr>
+            </a:p>
+            <a:p>
+              <a:r>
+                <a:rPr lang="zh-TW" altLang="en-US" sz="2400">
+                  <a:solidFill>
+                    <a:schemeClr val="bg1"/>
+                  </a:solidFill>
+                </a:rPr>
+                <a:t>曾被票選為最佳開發工具</a:t>
+              </a:r>
+              <a:endParaRPr lang="en-US" altLang="zh-TW" sz="2400">
+                <a:solidFill>
+                  <a:schemeClr val="bg1"/>
+                </a:solidFill>
+              </a:endParaRPr>
+            </a:p>
+            <a:p>
+              <a:r>
+                <a:rPr lang="zh-TW" altLang="en-US" sz="2400">
+                  <a:solidFill>
+                    <a:schemeClr val="bg1"/>
+                  </a:solidFill>
+                </a:rPr>
+                <a:t>使用</a:t>
+              </a:r>
+              <a:r>
+                <a:rPr lang="en-US" altLang="zh-TW" sz="2400">
+                  <a:solidFill>
+                    <a:schemeClr val="bg1"/>
+                  </a:solidFill>
+                </a:rPr>
+                <a:t>C++</a:t>
+              </a:r>
+              <a:r>
+                <a:rPr lang="zh-TW" altLang="en-US" sz="2400">
+                  <a:solidFill>
+                    <a:schemeClr val="bg1"/>
+                  </a:solidFill>
+                </a:rPr>
+                <a:t>編寫</a:t>
+              </a:r>
+              <a:endParaRPr lang="en-US" altLang="zh-TW" sz="2400">
+                <a:solidFill>
+                  <a:schemeClr val="bg1"/>
+                </a:solidFill>
+              </a:endParaRPr>
+            </a:p>
+            <a:p>
+              <a:r>
+                <a:rPr lang="zh-TW" altLang="en-US" sz="2400" strike="sngStrike">
+                  <a:solidFill>
+                    <a:schemeClr val="bg1"/>
+                  </a:solidFill>
+                </a:rPr>
+                <a:t>作者言論很火爆</a:t>
+              </a:r>
+              <a:endParaRPr lang="en-US" altLang="zh-TW" sz="2400" strike="sngStrike">
+                <a:solidFill>
+                  <a:schemeClr val="bg1"/>
+                </a:solidFill>
+              </a:endParaRPr>
+            </a:p>
+          </p:txBody>
+        </p:sp>
+      </p:grpSp>
+    </p:spTree>
+    <p:extLst>
+      <p:ext uri="{BB962C8B-B14F-4D97-AF65-F5344CB8AC3E}">
+        <p14:creationId xmlns:p14="http://schemas.microsoft.com/office/powerpoint/2010/main" val="3083018186"/>
+      </p:ext>
+    </p:extLst>
+  </p:cSld>
+  <p:clrMapOvr>
+    <a:masterClrMapping/>
+  </p:clrMapOvr>
+  <p:transition spd="slow">
+    <p:wipe/>
+  </p:transition>
 </p:sld>
 </file>
 
